--- a/CONSORT.pptx
+++ b/CONSORT.pptx
@@ -243,7 +243,7 @@
           <a:p>
             <a:fld id="{F5451EBA-6FA5-443C-BAD7-0685831661F0}" type="datetimeFigureOut">
               <a:rPr lang="en-US" smtClean="0"/>
-              <a:t>11-Jan-24</a:t>
+              <a:t>12-Feb-24</a:t>
             </a:fld>
             <a:endParaRPr lang="en-US"/>
           </a:p>
@@ -413,7 +413,7 @@
           <a:p>
             <a:fld id="{F5451EBA-6FA5-443C-BAD7-0685831661F0}" type="datetimeFigureOut">
               <a:rPr lang="en-US" smtClean="0"/>
-              <a:t>11-Jan-24</a:t>
+              <a:t>12-Feb-24</a:t>
             </a:fld>
             <a:endParaRPr lang="en-US"/>
           </a:p>
@@ -593,7 +593,7 @@
           <a:p>
             <a:fld id="{F5451EBA-6FA5-443C-BAD7-0685831661F0}" type="datetimeFigureOut">
               <a:rPr lang="en-US" smtClean="0"/>
-              <a:t>11-Jan-24</a:t>
+              <a:t>12-Feb-24</a:t>
             </a:fld>
             <a:endParaRPr lang="en-US"/>
           </a:p>
@@ -763,7 +763,7 @@
           <a:p>
             <a:fld id="{F5451EBA-6FA5-443C-BAD7-0685831661F0}" type="datetimeFigureOut">
               <a:rPr lang="en-US" smtClean="0"/>
-              <a:t>11-Jan-24</a:t>
+              <a:t>12-Feb-24</a:t>
             </a:fld>
             <a:endParaRPr lang="en-US"/>
           </a:p>
@@ -1009,7 +1009,7 @@
           <a:p>
             <a:fld id="{F5451EBA-6FA5-443C-BAD7-0685831661F0}" type="datetimeFigureOut">
               <a:rPr lang="en-US" smtClean="0"/>
-              <a:t>11-Jan-24</a:t>
+              <a:t>12-Feb-24</a:t>
             </a:fld>
             <a:endParaRPr lang="en-US"/>
           </a:p>
@@ -1241,7 +1241,7 @@
           <a:p>
             <a:fld id="{F5451EBA-6FA5-443C-BAD7-0685831661F0}" type="datetimeFigureOut">
               <a:rPr lang="en-US" smtClean="0"/>
-              <a:t>11-Jan-24</a:t>
+              <a:t>12-Feb-24</a:t>
             </a:fld>
             <a:endParaRPr lang="en-US"/>
           </a:p>
@@ -1608,7 +1608,7 @@
           <a:p>
             <a:fld id="{F5451EBA-6FA5-443C-BAD7-0685831661F0}" type="datetimeFigureOut">
               <a:rPr lang="en-US" smtClean="0"/>
-              <a:t>11-Jan-24</a:t>
+              <a:t>12-Feb-24</a:t>
             </a:fld>
             <a:endParaRPr lang="en-US"/>
           </a:p>
@@ -1726,7 +1726,7 @@
           <a:p>
             <a:fld id="{F5451EBA-6FA5-443C-BAD7-0685831661F0}" type="datetimeFigureOut">
               <a:rPr lang="en-US" smtClean="0"/>
-              <a:t>11-Jan-24</a:t>
+              <a:t>12-Feb-24</a:t>
             </a:fld>
             <a:endParaRPr lang="en-US"/>
           </a:p>
@@ -1821,7 +1821,7 @@
           <a:p>
             <a:fld id="{F5451EBA-6FA5-443C-BAD7-0685831661F0}" type="datetimeFigureOut">
               <a:rPr lang="en-US" smtClean="0"/>
-              <a:t>11-Jan-24</a:t>
+              <a:t>12-Feb-24</a:t>
             </a:fld>
             <a:endParaRPr lang="en-US"/>
           </a:p>
@@ -2098,7 +2098,7 @@
           <a:p>
             <a:fld id="{F5451EBA-6FA5-443C-BAD7-0685831661F0}" type="datetimeFigureOut">
               <a:rPr lang="en-US" smtClean="0"/>
-              <a:t>11-Jan-24</a:t>
+              <a:t>12-Feb-24</a:t>
             </a:fld>
             <a:endParaRPr lang="en-US"/>
           </a:p>
@@ -2355,7 +2355,7 @@
           <a:p>
             <a:fld id="{F5451EBA-6FA5-443C-BAD7-0685831661F0}" type="datetimeFigureOut">
               <a:rPr lang="en-US" smtClean="0"/>
-              <a:t>11-Jan-24</a:t>
+              <a:t>12-Feb-24</a:t>
             </a:fld>
             <a:endParaRPr lang="en-US"/>
           </a:p>
@@ -2568,7 +2568,7 @@
           <a:p>
             <a:fld id="{F5451EBA-6FA5-443C-BAD7-0685831661F0}" type="datetimeFigureOut">
               <a:rPr lang="en-US" smtClean="0"/>
-              <a:t>11-Jan-24</a:t>
+              <a:t>12-Feb-24</a:t>
             </a:fld>
             <a:endParaRPr lang="en-US"/>
           </a:p>
@@ -3730,8 +3730,8 @@
         </p:nvSpPr>
         <p:spPr bwMode="auto">
           <a:xfrm>
-            <a:off x="12176382" y="7307517"/>
-            <a:ext cx="7788014" cy="1937933"/>
+            <a:off x="12176382" y="7307516"/>
+            <a:ext cx="7788014" cy="3255725"/>
           </a:xfrm>
           <a:prstGeom prst="rect">
             <a:avLst/>
@@ -3774,7 +3774,49 @@
                 <a:ea typeface="Calibri" panose="020F0502020204030204" pitchFamily="34" charset="0"/>
                 <a:cs typeface="Arial" panose="020B0604020202020204" pitchFamily="34" charset="0"/>
               </a:rPr>
-              <a:t>Non-compliance (n = 13)</a:t>
+              <a:t>Discontinued before Day 2 (n = 8)</a:t>
+            </a:r>
+          </a:p>
+          <a:p>
+            <a:pPr marL="895888" lvl="1" indent="-438688">
+              <a:buFont typeface="Arial" panose="020B0604020202020204" pitchFamily="34" charset="0"/>
+              <a:buChar char="•"/>
+            </a:pPr>
+            <a:r>
+              <a:rPr lang="en-US" sz="2400" dirty="0">
+                <a:latin typeface="Arial" panose="020B0604020202020204" pitchFamily="34" charset="0"/>
+                <a:ea typeface="Calibri" panose="020F0502020204030204" pitchFamily="34" charset="0"/>
+                <a:cs typeface="Arial" panose="020B0604020202020204" pitchFamily="34" charset="0"/>
+              </a:rPr>
+              <a:t>Given rescues drugs (n = 2)</a:t>
+            </a:r>
+          </a:p>
+          <a:p>
+            <a:pPr marL="895888" lvl="1" indent="-438688">
+              <a:buFont typeface="Arial" panose="020B0604020202020204" pitchFamily="34" charset="0"/>
+              <a:buChar char="•"/>
+            </a:pPr>
+            <a:r>
+              <a:rPr lang="en-US" sz="2400" dirty="0">
+                <a:latin typeface="Arial" panose="020B0604020202020204" pitchFamily="34" charset="0"/>
+                <a:ea typeface="Calibri" panose="020F0502020204030204" pitchFamily="34" charset="0"/>
+                <a:cs typeface="Arial" panose="020B0604020202020204" pitchFamily="34" charset="0"/>
+              </a:rPr>
+              <a:t>Side effects (n = 2)</a:t>
+            </a:r>
+          </a:p>
+          <a:p>
+            <a:pPr marL="895888" lvl="1" indent="-438688">
+              <a:buFont typeface="Arial" panose="020B0604020202020204" pitchFamily="34" charset="0"/>
+              <a:buChar char="•"/>
+            </a:pPr>
+            <a:r>
+              <a:rPr lang="en-US" sz="2400" dirty="0">
+                <a:latin typeface="Arial" panose="020B0604020202020204" pitchFamily="34" charset="0"/>
+                <a:ea typeface="Calibri" panose="020F0502020204030204" pitchFamily="34" charset="0"/>
+                <a:cs typeface="Arial" panose="020B0604020202020204" pitchFamily="34" charset="0"/>
+              </a:rPr>
+              <a:t>Voluntary withdrew consent before Day 2 (n = 4)</a:t>
             </a:r>
           </a:p>
           <a:p>
@@ -3788,18 +3830,38 @@
                 <a:ea typeface="Calibri" panose="020F0502020204030204" pitchFamily="34" charset="0"/>
                 <a:cs typeface="Arial" panose="020B0604020202020204" pitchFamily="34" charset="0"/>
               </a:rPr>
-              <a:t>Withdrew consent (n = 11)</a:t>
-            </a:r>
-          </a:p>
-          <a:p>
-            <a:endParaRPr lang="en-US" sz="2427" b="1" dirty="0">
-              <a:highlight>
-                <a:srgbClr val="FFFF00"/>
-              </a:highlight>
-              <a:latin typeface="Arial" panose="020B0604020202020204" pitchFamily="34" charset="0"/>
-              <a:ea typeface="Calibri" panose="020F0502020204030204" pitchFamily="34" charset="0"/>
-              <a:cs typeface="Arial" panose="020B0604020202020204" pitchFamily="34" charset="0"/>
-            </a:endParaRPr>
+              <a:t>Undetectable viral loads (n = 5)</a:t>
+            </a:r>
+          </a:p>
+          <a:p>
+            <a:pPr marL="438688" indent="-438688">
+              <a:buFont typeface="Arial" panose="020B0604020202020204" pitchFamily="34" charset="0"/>
+              <a:buChar char="•"/>
+            </a:pPr>
+            <a:r>
+              <a:rPr lang="en-US" sz="2400" dirty="0">
+                <a:latin typeface="Arial" panose="020B0604020202020204" pitchFamily="34" charset="0"/>
+                <a:ea typeface="Calibri" panose="020F0502020204030204" pitchFamily="34" charset="0"/>
+                <a:cs typeface="Arial" panose="020B0604020202020204" pitchFamily="34" charset="0"/>
+              </a:rPr>
+              <a:t>Withdrew consent before </a:t>
+            </a:r>
+            <a:r>
+              <a:rPr lang="en-US" sz="2400">
+                <a:latin typeface="Arial" panose="020B0604020202020204" pitchFamily="34" charset="0"/>
+                <a:ea typeface="Calibri" panose="020F0502020204030204" pitchFamily="34" charset="0"/>
+                <a:cs typeface="Arial" panose="020B0604020202020204" pitchFamily="34" charset="0"/>
+              </a:rPr>
+              <a:t>starting interventions (</a:t>
+            </a:r>
+            <a:r>
+              <a:rPr lang="en-US" sz="2400" dirty="0">
+                <a:latin typeface="Arial" panose="020B0604020202020204" pitchFamily="34" charset="0"/>
+                <a:ea typeface="Calibri" panose="020F0502020204030204" pitchFamily="34" charset="0"/>
+                <a:cs typeface="Arial" panose="020B0604020202020204" pitchFamily="34" charset="0"/>
+              </a:rPr>
+              <a:t>n = 11)</a:t>
+            </a:r>
           </a:p>
         </p:txBody>
       </p:sp>
